--- a/atliq_mart.pptx
+++ b/atliq_mart.pptx
@@ -117,6 +117,11 @@
       </a:defRPr>
     </a:lvl9pPr>
   </p:defaultTextStyle>
+  <p:extLst>
+    <p:ext uri="{EFAFB233-063F-42B5-8137-9DF3F51BA10A}">
+      <p15:sldGuideLst xmlns:p15="http://schemas.microsoft.com/office/powerpoint/2012/main"/>
+    </p:ext>
+  </p:extLst>
 </p:presentation>
 </file>
 
@@ -269,7 +274,7 @@
           <a:p>
             <a:fld id="{5DAC1080-FFA9-465C-8B2D-34781B33C579}" type="datetimeFigureOut">
               <a:rPr lang="en-IN" smtClean="0"/>
-              <a:t>05-03-2024</a:t>
+              <a:t>06-03-2024</a:t>
             </a:fld>
             <a:endParaRPr lang="en-IN"/>
           </a:p>
@@ -469,7 +474,7 @@
           <a:p>
             <a:fld id="{5DAC1080-FFA9-465C-8B2D-34781B33C579}" type="datetimeFigureOut">
               <a:rPr lang="en-IN" smtClean="0"/>
-              <a:t>05-03-2024</a:t>
+              <a:t>06-03-2024</a:t>
             </a:fld>
             <a:endParaRPr lang="en-IN"/>
           </a:p>
@@ -679,7 +684,7 @@
           <a:p>
             <a:fld id="{5DAC1080-FFA9-465C-8B2D-34781B33C579}" type="datetimeFigureOut">
               <a:rPr lang="en-IN" smtClean="0"/>
-              <a:t>05-03-2024</a:t>
+              <a:t>06-03-2024</a:t>
             </a:fld>
             <a:endParaRPr lang="en-IN"/>
           </a:p>
@@ -879,7 +884,7 @@
           <a:p>
             <a:fld id="{5DAC1080-FFA9-465C-8B2D-34781B33C579}" type="datetimeFigureOut">
               <a:rPr lang="en-IN" smtClean="0"/>
-              <a:t>05-03-2024</a:t>
+              <a:t>06-03-2024</a:t>
             </a:fld>
             <a:endParaRPr lang="en-IN"/>
           </a:p>
@@ -1155,7 +1160,7 @@
           <a:p>
             <a:fld id="{5DAC1080-FFA9-465C-8B2D-34781B33C579}" type="datetimeFigureOut">
               <a:rPr lang="en-IN" smtClean="0"/>
-              <a:t>05-03-2024</a:t>
+              <a:t>06-03-2024</a:t>
             </a:fld>
             <a:endParaRPr lang="en-IN"/>
           </a:p>
@@ -1423,7 +1428,7 @@
           <a:p>
             <a:fld id="{5DAC1080-FFA9-465C-8B2D-34781B33C579}" type="datetimeFigureOut">
               <a:rPr lang="en-IN" smtClean="0"/>
-              <a:t>05-03-2024</a:t>
+              <a:t>06-03-2024</a:t>
             </a:fld>
             <a:endParaRPr lang="en-IN"/>
           </a:p>
@@ -1838,7 +1843,7 @@
           <a:p>
             <a:fld id="{5DAC1080-FFA9-465C-8B2D-34781B33C579}" type="datetimeFigureOut">
               <a:rPr lang="en-IN" smtClean="0"/>
-              <a:t>05-03-2024</a:t>
+              <a:t>06-03-2024</a:t>
             </a:fld>
             <a:endParaRPr lang="en-IN"/>
           </a:p>
@@ -1980,7 +1985,7 @@
           <a:p>
             <a:fld id="{5DAC1080-FFA9-465C-8B2D-34781B33C579}" type="datetimeFigureOut">
               <a:rPr lang="en-IN" smtClean="0"/>
-              <a:t>05-03-2024</a:t>
+              <a:t>06-03-2024</a:t>
             </a:fld>
             <a:endParaRPr lang="en-IN"/>
           </a:p>
@@ -2093,7 +2098,7 @@
           <a:p>
             <a:fld id="{5DAC1080-FFA9-465C-8B2D-34781B33C579}" type="datetimeFigureOut">
               <a:rPr lang="en-IN" smtClean="0"/>
-              <a:t>05-03-2024</a:t>
+              <a:t>06-03-2024</a:t>
             </a:fld>
             <a:endParaRPr lang="en-IN"/>
           </a:p>
@@ -2406,7 +2411,7 @@
           <a:p>
             <a:fld id="{5DAC1080-FFA9-465C-8B2D-34781B33C579}" type="datetimeFigureOut">
               <a:rPr lang="en-IN" smtClean="0"/>
-              <a:t>05-03-2024</a:t>
+              <a:t>06-03-2024</a:t>
             </a:fld>
             <a:endParaRPr lang="en-IN"/>
           </a:p>
@@ -2695,7 +2700,7 @@
           <a:p>
             <a:fld id="{5DAC1080-FFA9-465C-8B2D-34781B33C579}" type="datetimeFigureOut">
               <a:rPr lang="en-IN" smtClean="0"/>
-              <a:t>05-03-2024</a:t>
+              <a:t>06-03-2024</a:t>
             </a:fld>
             <a:endParaRPr lang="en-IN"/>
           </a:p>
@@ -2938,7 +2943,7 @@
           <a:p>
             <a:fld id="{5DAC1080-FFA9-465C-8B2D-34781B33C579}" type="datetimeFigureOut">
               <a:rPr lang="en-IN" smtClean="0"/>
-              <a:t>05-03-2024</a:t>
+              <a:t>06-03-2024</a:t>
             </a:fld>
             <a:endParaRPr lang="en-IN"/>
           </a:p>
@@ -5538,10 +5543,10 @@
       </p:pic>
       <p:pic>
         <p:nvPicPr>
-          <p:cNvPr id="7" name="Picture 6">
-            <a:extLst>
-              <a:ext uri="{FF2B5EF4-FFF2-40B4-BE49-F238E27FC236}">
-                <a16:creationId xmlns:a16="http://schemas.microsoft.com/office/drawing/2014/main" id="{190D5699-16BE-E6AE-57C8-99541EE70FC9}"/>
+          <p:cNvPr id="4" name="Picture 3">
+            <a:extLst>
+              <a:ext uri="{FF2B5EF4-FFF2-40B4-BE49-F238E27FC236}">
+                <a16:creationId xmlns:a16="http://schemas.microsoft.com/office/drawing/2014/main" id="{4B918ADB-4FC6-46CE-9A5D-84AF561293D5}"/>
               </a:ext>
             </a:extLst>
           </p:cNvPr>
@@ -5558,8 +5563,8 @@
         </p:blipFill>
         <p:spPr>
           <a:xfrm>
-            <a:off x="3457380" y="4187112"/>
-            <a:ext cx="5277239" cy="2279002"/>
+            <a:off x="2999875" y="4150559"/>
+            <a:ext cx="5935634" cy="2458788"/>
           </a:xfrm>
           <a:prstGeom prst="rect">
             <a:avLst/>
@@ -5687,10 +5692,10 @@
       </p:sp>
       <p:pic>
         <p:nvPicPr>
-          <p:cNvPr id="5" name="Picture 4">
-            <a:extLst>
-              <a:ext uri="{FF2B5EF4-FFF2-40B4-BE49-F238E27FC236}">
-                <a16:creationId xmlns:a16="http://schemas.microsoft.com/office/drawing/2014/main" id="{A3E6A828-06ED-B40A-4F3B-80AEC8931422}"/>
+          <p:cNvPr id="4" name="Picture 3">
+            <a:extLst>
+              <a:ext uri="{FF2B5EF4-FFF2-40B4-BE49-F238E27FC236}">
+                <a16:creationId xmlns:a16="http://schemas.microsoft.com/office/drawing/2014/main" id="{D25C3C89-45A7-FC14-A4E0-3E4A2C50D5ED}"/>
               </a:ext>
             </a:extLst>
           </p:cNvPr>
@@ -5707,8 +5712,8 @@
         </p:blipFill>
         <p:spPr>
           <a:xfrm>
-            <a:off x="1631943" y="2085391"/>
-            <a:ext cx="8928114" cy="2943809"/>
+            <a:off x="1636295" y="2326021"/>
+            <a:ext cx="9577137" cy="2943809"/>
           </a:xfrm>
           <a:prstGeom prst="rect">
             <a:avLst/>
